--- a/Презентація.pptx
+++ b/Презентація.pptx
@@ -5,33 +5,34 @@
     <p:sldMasterId id="2147483659" r:id="rId1"/>
   </p:sldMasterIdLst>
   <p:notesMasterIdLst>
-    <p:notesMasterId r:id="rId10"/>
+    <p:notesMasterId r:id="rId11"/>
   </p:notesMasterIdLst>
   <p:sldIdLst>
     <p:sldId id="256" r:id="rId2"/>
     <p:sldId id="257" r:id="rId3"/>
     <p:sldId id="268" r:id="rId4"/>
     <p:sldId id="273" r:id="rId5"/>
-    <p:sldId id="269" r:id="rId6"/>
-    <p:sldId id="270" r:id="rId7"/>
-    <p:sldId id="271" r:id="rId8"/>
-    <p:sldId id="267" r:id="rId9"/>
+    <p:sldId id="274" r:id="rId6"/>
+    <p:sldId id="269" r:id="rId7"/>
+    <p:sldId id="270" r:id="rId8"/>
+    <p:sldId id="271" r:id="rId9"/>
+    <p:sldId id="267" r:id="rId10"/>
   </p:sldIdLst>
   <p:sldSz cx="9144000" cy="5143500" type="screen16x9"/>
   <p:notesSz cx="6858000" cy="9144000"/>
   <p:embeddedFontLst>
     <p:embeddedFont>
       <p:font typeface="Old Standard TT" pitchFamily="2" charset="77"/>
-      <p:regular r:id="rId11"/>
-      <p:bold r:id="rId12"/>
-      <p:italic r:id="rId13"/>
+      <p:regular r:id="rId12"/>
+      <p:bold r:id="rId13"/>
+      <p:italic r:id="rId14"/>
     </p:embeddedFont>
     <p:embeddedFont>
       <p:font typeface="Roboto" panose="02000000000000000000" pitchFamily="2" charset="0"/>
-      <p:regular r:id="rId14"/>
-      <p:bold r:id="rId15"/>
-      <p:italic r:id="rId16"/>
-      <p:boldItalic r:id="rId17"/>
+      <p:regular r:id="rId15"/>
+      <p:bold r:id="rId16"/>
+      <p:italic r:id="rId17"/>
+      <p:boldItalic r:id="rId18"/>
     </p:embeddedFont>
   </p:embeddedFontLst>
   <p:defaultTextStyle>
@@ -1248,7 +1249,7 @@
     </p:spTree>
     <p:extLst>
       <p:ext uri="{BB962C8B-B14F-4D97-AF65-F5344CB8AC3E}">
-        <p14:creationId xmlns:p14="http://schemas.microsoft.com/office/powerpoint/2010/main" val="3327027700"/>
+        <p14:creationId xmlns:p14="http://schemas.microsoft.com/office/powerpoint/2010/main" val="1833075295"/>
       </p:ext>
     </p:extLst>
   </p:cSld>
@@ -1357,7 +1358,7 @@
     </p:spTree>
     <p:extLst>
       <p:ext uri="{BB962C8B-B14F-4D97-AF65-F5344CB8AC3E}">
-        <p14:creationId xmlns:p14="http://schemas.microsoft.com/office/powerpoint/2010/main" val="771369416"/>
+        <p14:creationId xmlns:p14="http://schemas.microsoft.com/office/powerpoint/2010/main" val="3327027700"/>
       </p:ext>
     </p:extLst>
   </p:cSld>
@@ -1466,6 +1467,115 @@
     </p:spTree>
     <p:extLst>
       <p:ext uri="{BB962C8B-B14F-4D97-AF65-F5344CB8AC3E}">
+        <p14:creationId xmlns:p14="http://schemas.microsoft.com/office/powerpoint/2010/main" val="771369416"/>
+      </p:ext>
+    </p:extLst>
+  </p:cSld>
+  <p:clrMapOvr>
+    <a:masterClrMapping/>
+  </p:clrMapOvr>
+</p:notes>
+</file>
+
+<file path=ppt/notesSlides/notesSlide8.xml><?xml version="1.0" encoding="utf-8"?>
+<p:notes xmlns:a="http://schemas.openxmlformats.org/drawingml/2006/main" xmlns:r="http://schemas.openxmlformats.org/officeDocument/2006/relationships" xmlns:p="http://schemas.openxmlformats.org/presentationml/2006/main" showMasterSp="0" showMasterPhAnim="0">
+  <p:cSld>
+    <p:spTree>
+      <p:nvGrpSpPr>
+        <p:cNvPr id="1" name="Shape 62"/>
+        <p:cNvGrpSpPr/>
+        <p:nvPr/>
+      </p:nvGrpSpPr>
+      <p:grpSpPr>
+        <a:xfrm>
+          <a:off x="0" y="0"/>
+          <a:ext cx="0" cy="0"/>
+          <a:chOff x="0" y="0"/>
+          <a:chExt cx="0" cy="0"/>
+        </a:xfrm>
+      </p:grpSpPr>
+      <p:sp>
+        <p:nvSpPr>
+          <p:cNvPr id="63" name="Google Shape;63;g109fa36636d_0_4:notes"/>
+          <p:cNvSpPr>
+            <a:spLocks noGrp="1" noRot="1" noChangeAspect="1"/>
+          </p:cNvSpPr>
+          <p:nvPr>
+            <p:ph type="sldImg" idx="2"/>
+          </p:nvPr>
+        </p:nvSpPr>
+        <p:spPr>
+          <a:xfrm>
+            <a:off x="381000" y="685800"/>
+            <a:ext cx="6096000" cy="3429000"/>
+          </a:xfrm>
+          <a:custGeom>
+            <a:avLst/>
+            <a:gdLst/>
+            <a:ahLst/>
+            <a:cxnLst/>
+            <a:rect l="l" t="t" r="r" b="b"/>
+            <a:pathLst>
+              <a:path w="120000" h="120000" extrusionOk="0">
+                <a:moveTo>
+                  <a:pt x="0" y="0"/>
+                </a:moveTo>
+                <a:lnTo>
+                  <a:pt x="120000" y="0"/>
+                </a:lnTo>
+                <a:lnTo>
+                  <a:pt x="120000" y="120000"/>
+                </a:lnTo>
+                <a:lnTo>
+                  <a:pt x="0" y="120000"/>
+                </a:lnTo>
+                <a:close/>
+              </a:path>
+            </a:pathLst>
+          </a:custGeom>
+        </p:spPr>
+      </p:sp>
+      <p:sp>
+        <p:nvSpPr>
+          <p:cNvPr id="64" name="Google Shape;64;g109fa36636d_0_4:notes"/>
+          <p:cNvSpPr txBox="1">
+            <a:spLocks noGrp="1"/>
+          </p:cNvSpPr>
+          <p:nvPr>
+            <p:ph type="body" idx="1"/>
+          </p:nvPr>
+        </p:nvSpPr>
+        <p:spPr>
+          <a:xfrm>
+            <a:off x="685800" y="4343400"/>
+            <a:ext cx="5486400" cy="4114800"/>
+          </a:xfrm>
+          <a:prstGeom prst="rect">
+            <a:avLst/>
+          </a:prstGeom>
+        </p:spPr>
+        <p:txBody>
+          <a:bodyPr spcFirstLastPara="1" wrap="square" lIns="91425" tIns="91425" rIns="91425" bIns="91425" anchor="t" anchorCtr="0">
+            <a:noAutofit/>
+          </a:bodyPr>
+          <a:lstStyle/>
+          <a:p>
+            <a:pPr marL="0" lvl="0" indent="0" algn="l" rtl="0">
+              <a:spcBef>
+                <a:spcPts val="0"/>
+              </a:spcBef>
+              <a:spcAft>
+                <a:spcPts val="0"/>
+              </a:spcAft>
+              <a:buNone/>
+            </a:pPr>
+            <a:endParaRPr dirty="0"/>
+          </a:p>
+        </p:txBody>
+      </p:sp>
+    </p:spTree>
+    <p:extLst>
+      <p:ext uri="{BB962C8B-B14F-4D97-AF65-F5344CB8AC3E}">
         <p14:creationId xmlns:p14="http://schemas.microsoft.com/office/powerpoint/2010/main" val="1679195727"/>
       </p:ext>
     </p:extLst>
@@ -1476,7 +1586,7 @@
 </p:notes>
 </file>
 
-<file path=ppt/notesSlides/notesSlide8.xml><?xml version="1.0" encoding="utf-8"?>
+<file path=ppt/notesSlides/notesSlide9.xml><?xml version="1.0" encoding="utf-8"?>
 <p:notes xmlns:a="http://schemas.openxmlformats.org/drawingml/2006/main" xmlns:r="http://schemas.openxmlformats.org/officeDocument/2006/relationships" xmlns:p="http://schemas.openxmlformats.org/presentationml/2006/main" showMasterSp="0" showMasterPhAnim="0">
   <p:cSld>
     <p:spTree>
@@ -8349,7 +8459,7 @@
           <p:nvPr>
             <p:extLst>
               <p:ext uri="{D42A27DB-BD31-4B8C-83A1-F6EECF244321}">
-                <p14:modId xmlns:p14="http://schemas.microsoft.com/office/powerpoint/2010/main" val="3104215690"/>
+                <p14:modId xmlns:p14="http://schemas.microsoft.com/office/powerpoint/2010/main" val="3910682622"/>
               </p:ext>
             </p:extLst>
           </p:nvPr>
@@ -8525,7 +8635,7 @@
                             <a:schemeClr val="tx1"/>
                           </a:solidFill>
                         </a:rPr>
-                        <a:t>Доступність посилань</a:t>
+                        <a:t>Віковий контроль</a:t>
                       </a:r>
                       <a:endParaRPr lang="en-UA" dirty="0">
                         <a:solidFill>
@@ -8803,7 +8913,7 @@
                       <a:pPr algn="ctr"/>
                       <a:r>
                         <a:rPr lang="uk-UA" dirty="0"/>
-                        <a:t>+</a:t>
+                        <a:t>-</a:t>
                       </a:r>
                       <a:endParaRPr lang="en-UA" dirty="0"/>
                     </a:p>
@@ -9136,6 +9246,185 @@
         <p:spPr>
           <a:xfrm>
             <a:off x="167475" y="183400"/>
+            <a:ext cx="7799100" cy="738633"/>
+          </a:xfrm>
+          <a:prstGeom prst="rect">
+            <a:avLst/>
+          </a:prstGeom>
+          <a:noFill/>
+          <a:ln>
+            <a:noFill/>
+          </a:ln>
+        </p:spPr>
+        <p:txBody>
+          <a:bodyPr spcFirstLastPara="1" wrap="square" lIns="91425" tIns="91425" rIns="91425" bIns="91425" anchor="t" anchorCtr="0">
+            <a:spAutoFit/>
+          </a:bodyPr>
+          <a:lstStyle/>
+          <a:p>
+            <a:pPr marL="0" lvl="0" indent="0" algn="l" rtl="0">
+              <a:spcBef>
+                <a:spcPts val="0"/>
+              </a:spcBef>
+              <a:spcAft>
+                <a:spcPts val="0"/>
+              </a:spcAft>
+              <a:buNone/>
+            </a:pPr>
+            <a:r>
+              <a:rPr lang="uk-UA" sz="3600" b="1" dirty="0">
+                <a:solidFill>
+                  <a:srgbClr val="FFFFFF"/>
+                </a:solidFill>
+              </a:rPr>
+              <a:t>Швидкість відгуку та оптимізація</a:t>
+            </a:r>
+            <a:endParaRPr sz="3600" b="1" dirty="0">
+              <a:solidFill>
+                <a:srgbClr val="FFFFFF"/>
+              </a:solidFill>
+            </a:endParaRPr>
+          </a:p>
+        </p:txBody>
+      </p:sp>
+      <p:sp>
+        <p:nvSpPr>
+          <p:cNvPr id="9" name="TextBox 8">
+            <a:extLst>
+              <a:ext uri="{FF2B5EF4-FFF2-40B4-BE49-F238E27FC236}">
+                <a16:creationId xmlns:a16="http://schemas.microsoft.com/office/drawing/2014/main" id="{E009488B-74D8-4843-A620-F8F8B939D6AC}"/>
+              </a:ext>
+            </a:extLst>
+          </p:cNvPr>
+          <p:cNvSpPr txBox="1"/>
+          <p:nvPr/>
+        </p:nvSpPr>
+        <p:spPr>
+          <a:xfrm>
+            <a:off x="537934" y="3463472"/>
+            <a:ext cx="716100" cy="307777"/>
+          </a:xfrm>
+          <a:prstGeom prst="rect">
+            <a:avLst/>
+          </a:prstGeom>
+          <a:noFill/>
+        </p:spPr>
+        <p:txBody>
+          <a:bodyPr wrap="square" rtlCol="0">
+            <a:spAutoFit/>
+          </a:bodyPr>
+          <a:lstStyle/>
+          <a:p>
+            <a:r>
+              <a:rPr lang="en-UA" dirty="0">
+                <a:highlight>
+                  <a:srgbClr val="000000"/>
+                </a:highlight>
+              </a:rPr>
+              <a:t>ntrcfn</a:t>
+            </a:r>
+          </a:p>
+        </p:txBody>
+      </p:sp>
+      <p:pic>
+        <p:nvPicPr>
+          <p:cNvPr id="3" name="Picture 2">
+            <a:extLst>
+              <a:ext uri="{FF2B5EF4-FFF2-40B4-BE49-F238E27FC236}">
+                <a16:creationId xmlns:a16="http://schemas.microsoft.com/office/drawing/2014/main" id="{6CF077A9-9BA6-1946-A7DF-493A88F3DDC1}"/>
+              </a:ext>
+            </a:extLst>
+          </p:cNvPr>
+          <p:cNvPicPr>
+            <a:picLocks noChangeAspect="1"/>
+          </p:cNvPicPr>
+          <p:nvPr/>
+        </p:nvPicPr>
+        <p:blipFill>
+          <a:blip r:embed="rId3"/>
+          <a:stretch>
+            <a:fillRect/>
+          </a:stretch>
+        </p:blipFill>
+        <p:spPr>
+          <a:xfrm>
+            <a:off x="895984" y="1043177"/>
+            <a:ext cx="4046190" cy="2630426"/>
+          </a:xfrm>
+          <a:prstGeom prst="rect">
+            <a:avLst/>
+          </a:prstGeom>
+        </p:spPr>
+      </p:pic>
+      <p:pic>
+        <p:nvPicPr>
+          <p:cNvPr id="4" name="Picture 3">
+            <a:extLst>
+              <a:ext uri="{FF2B5EF4-FFF2-40B4-BE49-F238E27FC236}">
+                <a16:creationId xmlns:a16="http://schemas.microsoft.com/office/drawing/2014/main" id="{31CF686D-5B80-0D43-9EED-5D893372F31C}"/>
+              </a:ext>
+            </a:extLst>
+          </p:cNvPr>
+          <p:cNvPicPr>
+            <a:picLocks noChangeAspect="1"/>
+          </p:cNvPicPr>
+          <p:nvPr/>
+        </p:nvPicPr>
+        <p:blipFill>
+          <a:blip r:embed="rId4"/>
+          <a:stretch>
+            <a:fillRect/>
+          </a:stretch>
+        </p:blipFill>
+        <p:spPr>
+          <a:xfrm>
+            <a:off x="4390981" y="2358390"/>
+            <a:ext cx="3575594" cy="2499752"/>
+          </a:xfrm>
+          <a:prstGeom prst="rect">
+            <a:avLst/>
+          </a:prstGeom>
+        </p:spPr>
+      </p:pic>
+    </p:spTree>
+    <p:extLst>
+      <p:ext uri="{BB962C8B-B14F-4D97-AF65-F5344CB8AC3E}">
+        <p14:creationId xmlns:p14="http://schemas.microsoft.com/office/powerpoint/2010/main" val="2470507764"/>
+      </p:ext>
+    </p:extLst>
+  </p:cSld>
+  <p:clrMapOvr>
+    <a:masterClrMapping/>
+  </p:clrMapOvr>
+</p:sld>
+</file>
+
+<file path=ppt/slides/slide6.xml><?xml version="1.0" encoding="utf-8"?>
+<p:sld xmlns:a="http://schemas.openxmlformats.org/drawingml/2006/main" xmlns:r="http://schemas.openxmlformats.org/officeDocument/2006/relationships" xmlns:p="http://schemas.openxmlformats.org/presentationml/2006/main">
+  <p:cSld>
+    <p:spTree>
+      <p:nvGrpSpPr>
+        <p:cNvPr id="1" name="Shape 65"/>
+        <p:cNvGrpSpPr/>
+        <p:nvPr/>
+      </p:nvGrpSpPr>
+      <p:grpSpPr>
+        <a:xfrm>
+          <a:off x="0" y="0"/>
+          <a:ext cx="0" cy="0"/>
+          <a:chOff x="0" y="0"/>
+          <a:chExt cx="0" cy="0"/>
+        </a:xfrm>
+      </p:grpSpPr>
+      <p:sp>
+        <p:nvSpPr>
+          <p:cNvPr id="67" name="Google Shape;67;p14"/>
+          <p:cNvSpPr txBox="1"/>
+          <p:nvPr/>
+        </p:nvSpPr>
+        <p:spPr>
+          <a:xfrm>
+            <a:off x="167475" y="183400"/>
             <a:ext cx="7799100" cy="1292631"/>
           </a:xfrm>
           <a:prstGeom prst="rect">
@@ -9608,7 +9897,7 @@
 </p:sld>
 </file>
 
-<file path=ppt/slides/slide6.xml><?xml version="1.0" encoding="utf-8"?>
+<file path=ppt/slides/slide7.xml><?xml version="1.0" encoding="utf-8"?>
 <p:sld xmlns:a="http://schemas.openxmlformats.org/drawingml/2006/main" xmlns:r="http://schemas.openxmlformats.org/officeDocument/2006/relationships" xmlns:p="http://schemas.openxmlformats.org/presentationml/2006/main">
   <p:cSld>
     <p:spTree>
@@ -9765,7 +10054,7 @@
 </p:sld>
 </file>
 
-<file path=ppt/slides/slide7.xml><?xml version="1.0" encoding="utf-8"?>
+<file path=ppt/slides/slide8.xml><?xml version="1.0" encoding="utf-8"?>
 <p:sld xmlns:a="http://schemas.openxmlformats.org/drawingml/2006/main" xmlns:r="http://schemas.openxmlformats.org/officeDocument/2006/relationships" xmlns:p="http://schemas.openxmlformats.org/presentationml/2006/main">
   <p:cSld>
     <p:spTree>
@@ -9944,7 +10233,7 @@
 </p:sld>
 </file>
 
-<file path=ppt/slides/slide8.xml><?xml version="1.0" encoding="utf-8"?>
+<file path=ppt/slides/slide9.xml><?xml version="1.0" encoding="utf-8"?>
 <p:sld xmlns:a="http://schemas.openxmlformats.org/drawingml/2006/main" xmlns:r="http://schemas.openxmlformats.org/officeDocument/2006/relationships" xmlns:p="http://schemas.openxmlformats.org/presentationml/2006/main">
   <p:cSld>
     <p:spTree>

--- a/Презентація.pptx
+++ b/Презентація.pptx
@@ -8459,7 +8459,7 @@
           <p:nvPr>
             <p:extLst>
               <p:ext uri="{D42A27DB-BD31-4B8C-83A1-F6EECF244321}">
-                <p14:modId xmlns:p14="http://schemas.microsoft.com/office/powerpoint/2010/main" val="3910682622"/>
+                <p14:modId xmlns:p14="http://schemas.microsoft.com/office/powerpoint/2010/main" val="3654247844"/>
               </p:ext>
             </p:extLst>
           </p:nvPr>
@@ -8593,7 +8593,7 @@
                     <a:p>
                       <a:pPr algn="ctr"/>
                       <a:r>
-                        <a:rPr lang="uk-UA" sz="1400" b="1" i="0" u="none" strike="noStrike" cap="none" dirty="0">
+                        <a:rPr lang="ru-RU" sz="1400" b="1" i="0" u="none" strike="noStrike" cap="none" dirty="0" err="1">
                           <a:solidFill>
                             <a:schemeClr val="tx1"/>
                           </a:solidFill>
@@ -8603,16 +8603,7 @@
                           <a:cs typeface="+mn-cs"/>
                           <a:sym typeface="Arial"/>
                         </a:rPr>
-                        <a:t>Створення профілю</a:t>
-                      </a:r>
-                      <a:r>
-                        <a:rPr lang="en-UA" dirty="0">
-                          <a:solidFill>
-                            <a:schemeClr val="tx1"/>
-                          </a:solidFill>
-                          <a:effectLst/>
-                        </a:rPr>
-                        <a:t> </a:t>
+                        <a:t>Альбомізація</a:t>
                       </a:r>
                       <a:endParaRPr lang="en-UA" dirty="0">
                         <a:solidFill>
@@ -8787,7 +8778,7 @@
                       <a:pPr algn="ctr"/>
                       <a:r>
                         <a:rPr lang="uk-UA" dirty="0"/>
-                        <a:t>+</a:t>
+                        <a:t>-</a:t>
                       </a:r>
                       <a:endParaRPr lang="en-UA" dirty="0"/>
                     </a:p>
@@ -9019,7 +9010,7 @@
                       <a:pPr algn="ctr"/>
                       <a:r>
                         <a:rPr lang="uk-UA" dirty="0"/>
-                        <a:t>+</a:t>
+                        <a:t>-</a:t>
                       </a:r>
                       <a:endParaRPr lang="en-UA" dirty="0"/>
                     </a:p>
